--- a/PPT/14 AI Builder uno más de la familia.pptx
+++ b/PPT/14 AI Builder uno más de la familia.pptx
@@ -286,7 +286,7 @@
               <a:rPr lang="en-US" smtClean="0">
                 <a:latin typeface="Segoe UI" pitchFamily="34" charset="0"/>
               </a:rPr>
-              <a:t>1/10/2021 9:15 PM</a:t>
+              <a:t>1/11/2021 10:23 AM</a:t>
             </a:fld>
             <a:endParaRPr lang="en-US">
               <a:latin typeface="Segoe UI" pitchFamily="34" charset="0"/>
@@ -375,7 +375,7 @@
               <a:rPr lang="en-US" smtClean="0">
                 <a:latin typeface="Segoe UI" pitchFamily="34" charset="0"/>
               </a:rPr>
-              <a:t>‹#›</a:t>
+              <a:t>‹Nº›</a:t>
             </a:fld>
             <a:endParaRPr lang="en-US">
               <a:latin typeface="Segoe UI" pitchFamily="34" charset="0"/>
@@ -564,7 +564,7 @@
           <a:p>
             <a:fld id="{386CE63F-9E7F-4C04-9D0D-FCA25A8E9E86}" type="datetime8">
               <a:rPr lang="en-US" smtClean="0"/>
-              <a:t>1/10/2021 9:14 PM</a:t>
+              <a:t>1/11/2021 10:23 AM</a:t>
             </a:fld>
             <a:endParaRPr lang="en-US"/>
           </a:p>
@@ -661,7 +661,7 @@
             <a:fld id="{B4008EB6-D09E-4580-8CD6-DDB14511944F}" type="slidenum">
               <a:rPr lang="en-US" smtClean="0"/>
               <a:pPr/>
-              <a:t>‹#›</a:t>
+              <a:t>‹Nº›</a:t>
             </a:fld>
             <a:endParaRPr lang="en-US"/>
           </a:p>
@@ -2032,216 +2032,6 @@
       </p:sp>
       <p:pic>
         <p:nvPicPr>
-          <p:cNvPr id="42" name="Imagen 41">
-            <a:extLst>
-              <a:ext uri="{FF2B5EF4-FFF2-40B4-BE49-F238E27FC236}">
-                <a16:creationId xmlns:a16="http://schemas.microsoft.com/office/drawing/2014/main" id="{CFE36E5C-300D-43C3-BE61-452D23910E7A}"/>
-              </a:ext>
-            </a:extLst>
-          </p:cNvPr>
-          <p:cNvPicPr>
-            <a:picLocks noChangeAspect="1"/>
-          </p:cNvPicPr>
-          <p:nvPr userDrawn="1"/>
-        </p:nvPicPr>
-        <p:blipFill>
-          <a:blip r:embed="rId8"/>
-          <a:stretch>
-            <a:fillRect/>
-          </a:stretch>
-        </p:blipFill>
-        <p:spPr>
-          <a:xfrm>
-            <a:off x="6038054" y="5126102"/>
-            <a:ext cx="2243624" cy="690346"/>
-          </a:xfrm>
-          <a:prstGeom prst="rect">
-            <a:avLst/>
-          </a:prstGeom>
-        </p:spPr>
-      </p:pic>
-      <p:pic>
-        <p:nvPicPr>
-          <p:cNvPr id="43" name="Imagen 42">
-            <a:extLst>
-              <a:ext uri="{FF2B5EF4-FFF2-40B4-BE49-F238E27FC236}">
-                <a16:creationId xmlns:a16="http://schemas.microsoft.com/office/drawing/2014/main" id="{1E5521AC-4CAB-411F-AC1B-1FC08331F083}"/>
-              </a:ext>
-            </a:extLst>
-          </p:cNvPr>
-          <p:cNvPicPr>
-            <a:picLocks noChangeAspect="1"/>
-          </p:cNvPicPr>
-          <p:nvPr userDrawn="1"/>
-        </p:nvPicPr>
-        <p:blipFill>
-          <a:blip r:embed="rId9"/>
-          <a:stretch>
-            <a:fillRect/>
-          </a:stretch>
-        </p:blipFill>
-        <p:spPr>
-          <a:xfrm>
-            <a:off x="8539558" y="5733198"/>
-            <a:ext cx="1582743" cy="586201"/>
-          </a:xfrm>
-          <a:prstGeom prst="rect">
-            <a:avLst/>
-          </a:prstGeom>
-        </p:spPr>
-      </p:pic>
-      <p:pic>
-        <p:nvPicPr>
-          <p:cNvPr id="44" name="Imagen 43">
-            <a:extLst>
-              <a:ext uri="{FF2B5EF4-FFF2-40B4-BE49-F238E27FC236}">
-                <a16:creationId xmlns:a16="http://schemas.microsoft.com/office/drawing/2014/main" id="{11316E2E-3D77-4C04-B311-6A3BC810876B}"/>
-              </a:ext>
-            </a:extLst>
-          </p:cNvPr>
-          <p:cNvPicPr>
-            <a:picLocks noChangeAspect="1"/>
-          </p:cNvPicPr>
-          <p:nvPr userDrawn="1"/>
-        </p:nvPicPr>
-        <p:blipFill>
-          <a:blip r:embed="rId10"/>
-          <a:stretch>
-            <a:fillRect/>
-          </a:stretch>
-        </p:blipFill>
-        <p:spPr>
-          <a:xfrm>
-            <a:off x="1494915" y="5537785"/>
-            <a:ext cx="2015855" cy="620263"/>
-          </a:xfrm>
-          <a:prstGeom prst="rect">
-            <a:avLst/>
-          </a:prstGeom>
-        </p:spPr>
-      </p:pic>
-      <p:pic>
-        <p:nvPicPr>
-          <p:cNvPr id="45" name="Imagen 44">
-            <a:extLst>
-              <a:ext uri="{FF2B5EF4-FFF2-40B4-BE49-F238E27FC236}">
-                <a16:creationId xmlns:a16="http://schemas.microsoft.com/office/drawing/2014/main" id="{27698EF9-7487-44AD-80EC-BF4C4D09A750}"/>
-              </a:ext>
-            </a:extLst>
-          </p:cNvPr>
-          <p:cNvPicPr>
-            <a:picLocks noChangeAspect="1"/>
-          </p:cNvPicPr>
-          <p:nvPr userDrawn="1"/>
-        </p:nvPicPr>
-        <p:blipFill>
-          <a:blip r:embed="rId11"/>
-          <a:stretch>
-            <a:fillRect/>
-          </a:stretch>
-        </p:blipFill>
-        <p:spPr>
-          <a:xfrm>
-            <a:off x="3816249" y="5203641"/>
-            <a:ext cx="2144054" cy="560669"/>
-          </a:xfrm>
-          <a:prstGeom prst="rect">
-            <a:avLst/>
-          </a:prstGeom>
-        </p:spPr>
-      </p:pic>
-      <p:pic>
-        <p:nvPicPr>
-          <p:cNvPr id="46" name="Imagen 45">
-            <a:extLst>
-              <a:ext uri="{FF2B5EF4-FFF2-40B4-BE49-F238E27FC236}">
-                <a16:creationId xmlns:a16="http://schemas.microsoft.com/office/drawing/2014/main" id="{6F0DF829-9E01-4878-8C8F-E8F7AD4159ED}"/>
-              </a:ext>
-            </a:extLst>
-          </p:cNvPr>
-          <p:cNvPicPr>
-            <a:picLocks noChangeAspect="1"/>
-          </p:cNvPicPr>
-          <p:nvPr userDrawn="1"/>
-        </p:nvPicPr>
-        <p:blipFill>
-          <a:blip r:embed="rId12"/>
-          <a:stretch>
-            <a:fillRect/>
-          </a:stretch>
-        </p:blipFill>
-        <p:spPr>
-          <a:xfrm>
-            <a:off x="3860320" y="5847917"/>
-            <a:ext cx="1905154" cy="586201"/>
-          </a:xfrm>
-          <a:prstGeom prst="rect">
-            <a:avLst/>
-          </a:prstGeom>
-        </p:spPr>
-      </p:pic>
-      <p:pic>
-        <p:nvPicPr>
-          <p:cNvPr id="52" name="Imagen 51">
-            <a:extLst>
-              <a:ext uri="{FF2B5EF4-FFF2-40B4-BE49-F238E27FC236}">
-                <a16:creationId xmlns:a16="http://schemas.microsoft.com/office/drawing/2014/main" id="{999BD06F-0AD4-4E45-B274-E87BA24F79BC}"/>
-              </a:ext>
-            </a:extLst>
-          </p:cNvPr>
-          <p:cNvPicPr>
-            <a:picLocks noChangeAspect="1"/>
-          </p:cNvPicPr>
-          <p:nvPr userDrawn="1"/>
-        </p:nvPicPr>
-        <p:blipFill>
-          <a:blip r:embed="rId13"/>
-          <a:stretch>
-            <a:fillRect/>
-          </a:stretch>
-        </p:blipFill>
-        <p:spPr>
-          <a:xfrm>
-            <a:off x="6259691" y="5936432"/>
-            <a:ext cx="1800350" cy="409170"/>
-          </a:xfrm>
-          <a:prstGeom prst="rect">
-            <a:avLst/>
-          </a:prstGeom>
-        </p:spPr>
-      </p:pic>
-      <p:pic>
-        <p:nvPicPr>
-          <p:cNvPr id="53" name="Imagen 52">
-            <a:extLst>
-              <a:ext uri="{FF2B5EF4-FFF2-40B4-BE49-F238E27FC236}">
-                <a16:creationId xmlns:a16="http://schemas.microsoft.com/office/drawing/2014/main" id="{B732E62D-65E0-4AF3-9F73-267A09BF660E}"/>
-              </a:ext>
-            </a:extLst>
-          </p:cNvPr>
-          <p:cNvPicPr>
-            <a:picLocks noChangeAspect="1"/>
-          </p:cNvPicPr>
-          <p:nvPr userDrawn="1"/>
-        </p:nvPicPr>
-        <p:blipFill>
-          <a:blip r:embed="rId14"/>
-          <a:stretch>
-            <a:fillRect/>
-          </a:stretch>
-        </p:blipFill>
-        <p:spPr>
-          <a:xfrm>
-            <a:off x="8411164" y="5047695"/>
-            <a:ext cx="1839530" cy="567666"/>
-          </a:xfrm>
-          <a:prstGeom prst="rect">
-            <a:avLst/>
-          </a:prstGeom>
-        </p:spPr>
-      </p:pic>
-      <p:pic>
-        <p:nvPicPr>
           <p:cNvPr id="55" name="Gráfico 54">
             <a:extLst>
               <a:ext uri="{FF2B5EF4-FFF2-40B4-BE49-F238E27FC236}">
@@ -2255,10 +2045,10 @@
           <p:nvPr userDrawn="1"/>
         </p:nvPicPr>
         <p:blipFill>
-          <a:blip r:embed="rId15">
+          <a:blip r:embed="rId8">
             <a:extLst>
               <a:ext uri="{96DAC541-7B7A-43D3-8B79-37D633B846F1}">
-                <asvg:svgBlip xmlns:asvg="http://schemas.microsoft.com/office/drawing/2016/SVG/main" r:embed="rId16"/>
+                <asvg:svgBlip xmlns:asvg="http://schemas.microsoft.com/office/drawing/2016/SVG/main" r:embed="rId9"/>
               </a:ext>
             </a:extLst>
           </a:blip>
@@ -2291,10 +2081,10 @@
           <p:nvPr userDrawn="1"/>
         </p:nvPicPr>
         <p:blipFill>
-          <a:blip r:embed="rId17">
+          <a:blip r:embed="rId10">
             <a:extLst>
               <a:ext uri="{96DAC541-7B7A-43D3-8B79-37D633B846F1}">
-                <asvg:svgBlip xmlns:asvg="http://schemas.microsoft.com/office/drawing/2016/SVG/main" r:embed="rId18"/>
+                <asvg:svgBlip xmlns:asvg="http://schemas.microsoft.com/office/drawing/2016/SVG/main" r:embed="rId11"/>
               </a:ext>
             </a:extLst>
           </a:blip>
@@ -2306,6 +2096,246 @@
           <a:xfrm>
             <a:off x="5501889" y="2377869"/>
             <a:ext cx="1851408" cy="1347955"/>
+          </a:xfrm>
+          <a:prstGeom prst="rect">
+            <a:avLst/>
+          </a:prstGeom>
+        </p:spPr>
+      </p:pic>
+      <p:pic>
+        <p:nvPicPr>
+          <p:cNvPr id="22" name="Imagen 21">
+            <a:extLst>
+              <a:ext uri="{FF2B5EF4-FFF2-40B4-BE49-F238E27FC236}">
+                <a16:creationId xmlns:a16="http://schemas.microsoft.com/office/drawing/2014/main" id="{87061699-765D-4C0C-8DED-E5632A6C2697}"/>
+              </a:ext>
+            </a:extLst>
+          </p:cNvPr>
+          <p:cNvPicPr>
+            <a:picLocks noChangeAspect="1"/>
+          </p:cNvPicPr>
+          <p:nvPr userDrawn="1"/>
+        </p:nvPicPr>
+        <p:blipFill>
+          <a:blip r:embed="rId12"/>
+          <a:stretch>
+            <a:fillRect/>
+          </a:stretch>
+        </p:blipFill>
+        <p:spPr>
+          <a:xfrm>
+            <a:off x="6280496" y="5133072"/>
+            <a:ext cx="2243624" cy="690346"/>
+          </a:xfrm>
+          <a:prstGeom prst="rect">
+            <a:avLst/>
+          </a:prstGeom>
+        </p:spPr>
+      </p:pic>
+      <p:pic>
+        <p:nvPicPr>
+          <p:cNvPr id="23" name="Imagen 22">
+            <a:extLst>
+              <a:ext uri="{FF2B5EF4-FFF2-40B4-BE49-F238E27FC236}">
+                <a16:creationId xmlns:a16="http://schemas.microsoft.com/office/drawing/2014/main" id="{117A7811-B176-4E61-954E-31D462D547B2}"/>
+              </a:ext>
+            </a:extLst>
+          </p:cNvPr>
+          <p:cNvPicPr>
+            <a:picLocks noChangeAspect="1"/>
+          </p:cNvPicPr>
+          <p:nvPr userDrawn="1"/>
+        </p:nvPicPr>
+        <p:blipFill>
+          <a:blip r:embed="rId13"/>
+          <a:stretch>
+            <a:fillRect/>
+          </a:stretch>
+        </p:blipFill>
+        <p:spPr>
+          <a:xfrm>
+            <a:off x="6585173" y="5797267"/>
+            <a:ext cx="1582743" cy="586201"/>
+          </a:xfrm>
+          <a:prstGeom prst="rect">
+            <a:avLst/>
+          </a:prstGeom>
+        </p:spPr>
+      </p:pic>
+      <p:pic>
+        <p:nvPicPr>
+          <p:cNvPr id="24" name="Imagen 23">
+            <a:extLst>
+              <a:ext uri="{FF2B5EF4-FFF2-40B4-BE49-F238E27FC236}">
+                <a16:creationId xmlns:a16="http://schemas.microsoft.com/office/drawing/2014/main" id="{F22461D6-2B15-41B6-B993-095682F4C129}"/>
+              </a:ext>
+            </a:extLst>
+          </p:cNvPr>
+          <p:cNvPicPr>
+            <a:picLocks noChangeAspect="1"/>
+          </p:cNvPicPr>
+          <p:nvPr userDrawn="1"/>
+        </p:nvPicPr>
+        <p:blipFill>
+          <a:blip r:embed="rId14"/>
+          <a:stretch>
+            <a:fillRect/>
+          </a:stretch>
+        </p:blipFill>
+        <p:spPr>
+          <a:xfrm>
+            <a:off x="1742944" y="5168113"/>
+            <a:ext cx="2015855" cy="620263"/>
+          </a:xfrm>
+          <a:prstGeom prst="rect">
+            <a:avLst/>
+          </a:prstGeom>
+        </p:spPr>
+      </p:pic>
+      <p:pic>
+        <p:nvPicPr>
+          <p:cNvPr id="25" name="Imagen 24">
+            <a:extLst>
+              <a:ext uri="{FF2B5EF4-FFF2-40B4-BE49-F238E27FC236}">
+                <a16:creationId xmlns:a16="http://schemas.microsoft.com/office/drawing/2014/main" id="{5DFB40A0-FB72-4C93-B259-3EF5978DD219}"/>
+              </a:ext>
+            </a:extLst>
+          </p:cNvPr>
+          <p:cNvPicPr>
+            <a:picLocks noChangeAspect="1"/>
+          </p:cNvPicPr>
+          <p:nvPr userDrawn="1"/>
+        </p:nvPicPr>
+        <p:blipFill>
+          <a:blip r:embed="rId15"/>
+          <a:stretch>
+            <a:fillRect/>
+          </a:stretch>
+        </p:blipFill>
+        <p:spPr>
+          <a:xfrm>
+            <a:off x="4058691" y="5210611"/>
+            <a:ext cx="2144054" cy="560669"/>
+          </a:xfrm>
+          <a:prstGeom prst="rect">
+            <a:avLst/>
+          </a:prstGeom>
+        </p:spPr>
+      </p:pic>
+      <p:pic>
+        <p:nvPicPr>
+          <p:cNvPr id="26" name="Imagen 25">
+            <a:extLst>
+              <a:ext uri="{FF2B5EF4-FFF2-40B4-BE49-F238E27FC236}">
+                <a16:creationId xmlns:a16="http://schemas.microsoft.com/office/drawing/2014/main" id="{F4254E27-0A3A-4240-8DD3-243EA4E9E9A1}"/>
+              </a:ext>
+            </a:extLst>
+          </p:cNvPr>
+          <p:cNvPicPr>
+            <a:picLocks noChangeAspect="1"/>
+          </p:cNvPicPr>
+          <p:nvPr userDrawn="1"/>
+        </p:nvPicPr>
+        <p:blipFill>
+          <a:blip r:embed="rId16"/>
+          <a:stretch>
+            <a:fillRect/>
+          </a:stretch>
+        </p:blipFill>
+        <p:spPr>
+          <a:xfrm>
+            <a:off x="1946157" y="5911986"/>
+            <a:ext cx="1905154" cy="586201"/>
+          </a:xfrm>
+          <a:prstGeom prst="rect">
+            <a:avLst/>
+          </a:prstGeom>
+        </p:spPr>
+      </p:pic>
+      <p:pic>
+        <p:nvPicPr>
+          <p:cNvPr id="29" name="Imagen 28">
+            <a:extLst>
+              <a:ext uri="{FF2B5EF4-FFF2-40B4-BE49-F238E27FC236}">
+                <a16:creationId xmlns:a16="http://schemas.microsoft.com/office/drawing/2014/main" id="{DF386B49-6495-4569-A2CC-DD1F5D04F79B}"/>
+              </a:ext>
+            </a:extLst>
+          </p:cNvPr>
+          <p:cNvPicPr>
+            <a:picLocks noChangeAspect="1"/>
+          </p:cNvPicPr>
+          <p:nvPr userDrawn="1"/>
+        </p:nvPicPr>
+        <p:blipFill>
+          <a:blip r:embed="rId17"/>
+          <a:stretch>
+            <a:fillRect/>
+          </a:stretch>
+        </p:blipFill>
+        <p:spPr>
+          <a:xfrm>
+            <a:off x="4305306" y="6000501"/>
+            <a:ext cx="1800350" cy="409170"/>
+          </a:xfrm>
+          <a:prstGeom prst="rect">
+            <a:avLst/>
+          </a:prstGeom>
+        </p:spPr>
+      </p:pic>
+      <p:pic>
+        <p:nvPicPr>
+          <p:cNvPr id="30" name="Imagen 29">
+            <a:extLst>
+              <a:ext uri="{FF2B5EF4-FFF2-40B4-BE49-F238E27FC236}">
+                <a16:creationId xmlns:a16="http://schemas.microsoft.com/office/drawing/2014/main" id="{517CDB4C-DAA0-47D2-A92C-FAACE79FFB09}"/>
+              </a:ext>
+            </a:extLst>
+          </p:cNvPr>
+          <p:cNvPicPr>
+            <a:picLocks noChangeAspect="1"/>
+          </p:cNvPicPr>
+          <p:nvPr userDrawn="1"/>
+        </p:nvPicPr>
+        <p:blipFill>
+          <a:blip r:embed="rId18"/>
+          <a:stretch>
+            <a:fillRect/>
+          </a:stretch>
+        </p:blipFill>
+        <p:spPr>
+          <a:xfrm>
+            <a:off x="8653606" y="5054665"/>
+            <a:ext cx="1839530" cy="567666"/>
+          </a:xfrm>
+          <a:prstGeom prst="rect">
+            <a:avLst/>
+          </a:prstGeom>
+        </p:spPr>
+      </p:pic>
+      <p:pic>
+        <p:nvPicPr>
+          <p:cNvPr id="32" name="Imagen 31">
+            <a:extLst>
+              <a:ext uri="{FF2B5EF4-FFF2-40B4-BE49-F238E27FC236}">
+                <a16:creationId xmlns:a16="http://schemas.microsoft.com/office/drawing/2014/main" id="{4AD5F916-6B24-4608-9918-9C39D82254CB}"/>
+              </a:ext>
+            </a:extLst>
+          </p:cNvPr>
+          <p:cNvPicPr>
+            <a:picLocks noChangeAspect="1"/>
+          </p:cNvPicPr>
+          <p:nvPr userDrawn="1"/>
+        </p:nvPicPr>
+        <p:blipFill>
+          <a:blip r:embed="rId19"/>
+          <a:stretch>
+            <a:fillRect/>
+          </a:stretch>
+        </p:blipFill>
+        <p:spPr>
+          <a:xfrm>
+            <a:off x="8647433" y="5788376"/>
+            <a:ext cx="1839529" cy="634175"/>
           </a:xfrm>
           <a:prstGeom prst="rect">
             <a:avLst/>
@@ -25271,10 +25301,10 @@
       </p:grpSpPr>
       <p:sp>
         <p:nvSpPr>
-          <p:cNvPr id="8" name="Rectángulo 7">
+          <p:cNvPr id="14" name="Rectángulo 13">
             <a:extLst>
               <a:ext uri="{FF2B5EF4-FFF2-40B4-BE49-F238E27FC236}">
-                <a16:creationId xmlns:a16="http://schemas.microsoft.com/office/drawing/2014/main" id="{8E040693-2661-4727-9EA2-5950B412CA24}"/>
+                <a16:creationId xmlns:a16="http://schemas.microsoft.com/office/drawing/2014/main" id="{B29A059C-1187-4CE1-ADC6-61E82FBEBD2C}"/>
               </a:ext>
             </a:extLst>
           </p:cNvPr>
@@ -25283,7 +25313,7 @@
         </p:nvSpPr>
         <p:spPr bwMode="auto">
           <a:xfrm>
-            <a:off x="0" y="-10285"/>
+            <a:off x="90436" y="-83506"/>
             <a:ext cx="12192000" cy="6858000"/>
           </a:xfrm>
           <a:prstGeom prst="rect">
@@ -25350,10 +25380,10 @@
       </p:sp>
       <p:graphicFrame>
         <p:nvGraphicFramePr>
-          <p:cNvPr id="7" name="Objeto 6">
+          <p:cNvPr id="15" name="Objeto 14">
             <a:extLst>
               <a:ext uri="{FF2B5EF4-FFF2-40B4-BE49-F238E27FC236}">
-                <a16:creationId xmlns:a16="http://schemas.microsoft.com/office/drawing/2014/main" id="{32E413D6-B6AC-40F0-85EC-A2927B20E6EB}"/>
+                <a16:creationId xmlns:a16="http://schemas.microsoft.com/office/drawing/2014/main" id="{486A712B-357D-4883-95E6-BBBA63FF9C3B}"/>
               </a:ext>
             </a:extLst>
           </p:cNvPr>
@@ -25363,7 +25393,7 @@
           <p:nvPr userDrawn="1">
             <p:extLst>
               <p:ext uri="{D42A27DB-BD31-4B8C-83A1-F6EECF244321}">
-                <p14:modId xmlns:p14="http://schemas.microsoft.com/office/powerpoint/2010/main" val="3812561144"/>
+                <p14:modId xmlns:p14="http://schemas.microsoft.com/office/powerpoint/2010/main" val="3758825584"/>
               </p:ext>
             </p:extLst>
           </p:nvPr>
@@ -25419,10 +25449,10 @@
       </p:graphicFrame>
       <p:pic>
         <p:nvPicPr>
-          <p:cNvPr id="3" name="Imagen 2">
+          <p:cNvPr id="16" name="Imagen 15">
             <a:extLst>
               <a:ext uri="{FF2B5EF4-FFF2-40B4-BE49-F238E27FC236}">
-                <a16:creationId xmlns:a16="http://schemas.microsoft.com/office/drawing/2014/main" id="{5A11A0A1-8810-4701-A8A9-861238804999}"/>
+                <a16:creationId xmlns:a16="http://schemas.microsoft.com/office/drawing/2014/main" id="{290E3BD2-8F62-4C2A-AB7F-B5582A4BA522}"/>
               </a:ext>
             </a:extLst>
           </p:cNvPr>
@@ -25449,10 +25479,10 @@
       </p:pic>
       <p:graphicFrame>
         <p:nvGraphicFramePr>
-          <p:cNvPr id="28" name="Objeto 27">
+          <p:cNvPr id="17" name="Objeto 16">
             <a:extLst>
               <a:ext uri="{FF2B5EF4-FFF2-40B4-BE49-F238E27FC236}">
-                <a16:creationId xmlns:a16="http://schemas.microsoft.com/office/drawing/2014/main" id="{5DEB6C23-8509-4297-A490-EE57516A61DD}"/>
+                <a16:creationId xmlns:a16="http://schemas.microsoft.com/office/drawing/2014/main" id="{2398B7FE-F22C-4B23-BE34-74E40460D15A}"/>
               </a:ext>
             </a:extLst>
           </p:cNvPr>
@@ -25462,7 +25492,7 @@
           <p:nvPr userDrawn="1">
             <p:extLst>
               <p:ext uri="{D42A27DB-BD31-4B8C-83A1-F6EECF244321}">
-                <p14:modId xmlns:p14="http://schemas.microsoft.com/office/powerpoint/2010/main" val="2545392785"/>
+                <p14:modId xmlns:p14="http://schemas.microsoft.com/office/powerpoint/2010/main" val="2734261753"/>
               </p:ext>
             </p:extLst>
           </p:nvPr>
@@ -25518,10 +25548,10 @@
       </p:graphicFrame>
       <p:graphicFrame>
         <p:nvGraphicFramePr>
-          <p:cNvPr id="30" name="Objeto 29">
+          <p:cNvPr id="18" name="Objeto 17">
             <a:extLst>
               <a:ext uri="{FF2B5EF4-FFF2-40B4-BE49-F238E27FC236}">
-                <a16:creationId xmlns:a16="http://schemas.microsoft.com/office/drawing/2014/main" id="{A85AC8ED-2B29-42FA-9EBD-14E9BAB6053E}"/>
+                <a16:creationId xmlns:a16="http://schemas.microsoft.com/office/drawing/2014/main" id="{CDD415F6-AADF-455D-BA54-0FDEC8914FDC}"/>
               </a:ext>
             </a:extLst>
           </p:cNvPr>
@@ -25531,7 +25561,7 @@
           <p:nvPr userDrawn="1">
             <p:extLst>
               <p:ext uri="{D42A27DB-BD31-4B8C-83A1-F6EECF244321}">
-                <p14:modId xmlns:p14="http://schemas.microsoft.com/office/powerpoint/2010/main" val="1996726143"/>
+                <p14:modId xmlns:p14="http://schemas.microsoft.com/office/powerpoint/2010/main" val="103777093"/>
               </p:ext>
             </p:extLst>
           </p:nvPr>
@@ -25587,10 +25617,10 @@
       </p:graphicFrame>
       <p:pic>
         <p:nvPicPr>
-          <p:cNvPr id="27" name="Imagen 26">
+          <p:cNvPr id="19" name="Imagen 18">
             <a:extLst>
               <a:ext uri="{FF2B5EF4-FFF2-40B4-BE49-F238E27FC236}">
-                <a16:creationId xmlns:a16="http://schemas.microsoft.com/office/drawing/2014/main" id="{00C8D22B-6FB1-44B3-9B2A-665925B181E4}"/>
+                <a16:creationId xmlns:a16="http://schemas.microsoft.com/office/drawing/2014/main" id="{B9DA2C73-E327-4435-B725-E1DC30A7D107}"/>
               </a:ext>
             </a:extLst>
           </p:cNvPr>
@@ -25607,7 +25637,7 @@
         </p:blipFill>
         <p:spPr>
           <a:xfrm>
-            <a:off x="501323" y="5106327"/>
+            <a:off x="535251" y="4091351"/>
             <a:ext cx="3299139" cy="1015120"/>
           </a:xfrm>
           <a:prstGeom prst="rect">
@@ -25617,10 +25647,10 @@
       </p:pic>
       <p:pic>
         <p:nvPicPr>
-          <p:cNvPr id="35" name="Imagen 34">
+          <p:cNvPr id="20" name="Imagen 19">
             <a:extLst>
               <a:ext uri="{FF2B5EF4-FFF2-40B4-BE49-F238E27FC236}">
-                <a16:creationId xmlns:a16="http://schemas.microsoft.com/office/drawing/2014/main" id="{B20103D2-6A8D-4961-A9FC-C645273D36EA}"/>
+                <a16:creationId xmlns:a16="http://schemas.microsoft.com/office/drawing/2014/main" id="{25913554-FA5F-4881-98B5-604F3336902D}"/>
               </a:ext>
             </a:extLst>
           </p:cNvPr>
@@ -25637,8 +25667,8 @@
         </p:blipFill>
         <p:spPr>
           <a:xfrm>
-            <a:off x="4795788" y="2889461"/>
-            <a:ext cx="2964216" cy="912066"/>
+            <a:off x="836952" y="5359947"/>
+            <a:ext cx="3152727" cy="824437"/>
           </a:xfrm>
           <a:prstGeom prst="rect">
             <a:avLst/>
@@ -25647,10 +25677,10 @@
       </p:pic>
       <p:pic>
         <p:nvPicPr>
-          <p:cNvPr id="36" name="Imagen 35">
+          <p:cNvPr id="21" name="Imagen 20">
             <a:extLst>
               <a:ext uri="{FF2B5EF4-FFF2-40B4-BE49-F238E27FC236}">
-                <a16:creationId xmlns:a16="http://schemas.microsoft.com/office/drawing/2014/main" id="{06B717A3-D1D7-4E20-8A78-D374F2E8165E}"/>
+                <a16:creationId xmlns:a16="http://schemas.microsoft.com/office/drawing/2014/main" id="{EB615EDA-764A-490B-8747-22874B1118AE}"/>
               </a:ext>
             </a:extLst>
           </p:cNvPr>
@@ -25667,8 +25697,8 @@
         </p:blipFill>
         <p:spPr>
           <a:xfrm>
-            <a:off x="4770299" y="4103833"/>
-            <a:ext cx="3152727" cy="824437"/>
+            <a:off x="8701034" y="3081791"/>
+            <a:ext cx="2801436" cy="861980"/>
           </a:xfrm>
           <a:prstGeom prst="rect">
             <a:avLst/>
@@ -25677,10 +25707,10 @@
       </p:pic>
       <p:pic>
         <p:nvPicPr>
-          <p:cNvPr id="37" name="Imagen 36">
+          <p:cNvPr id="22" name="Imagen 21">
             <a:extLst>
               <a:ext uri="{FF2B5EF4-FFF2-40B4-BE49-F238E27FC236}">
-                <a16:creationId xmlns:a16="http://schemas.microsoft.com/office/drawing/2014/main" id="{4F6582C8-181F-45AB-8FDC-D2A5D1DE0868}"/>
+                <a16:creationId xmlns:a16="http://schemas.microsoft.com/office/drawing/2014/main" id="{1E22FD65-A167-41DF-B7B0-A9BD1EB277BA}"/>
               </a:ext>
             </a:extLst>
           </p:cNvPr>
@@ -25697,8 +25727,8 @@
         </p:blipFill>
         <p:spPr>
           <a:xfrm>
-            <a:off x="8656795" y="4066290"/>
-            <a:ext cx="2801436" cy="861980"/>
+            <a:off x="9075344" y="3970682"/>
+            <a:ext cx="2327347" cy="861980"/>
           </a:xfrm>
           <a:prstGeom prst="rect">
             <a:avLst/>
@@ -25707,10 +25737,10 @@
       </p:pic>
       <p:pic>
         <p:nvPicPr>
-          <p:cNvPr id="38" name="Imagen 37">
+          <p:cNvPr id="23" name="Imagen 22">
             <a:extLst>
               <a:ext uri="{FF2B5EF4-FFF2-40B4-BE49-F238E27FC236}">
-                <a16:creationId xmlns:a16="http://schemas.microsoft.com/office/drawing/2014/main" id="{6286BA83-1331-4607-A514-6A7126E17B69}"/>
+                <a16:creationId xmlns:a16="http://schemas.microsoft.com/office/drawing/2014/main" id="{A6B63414-735A-4071-8FC5-208FAA57DD86}"/>
               </a:ext>
             </a:extLst>
           </p:cNvPr>
@@ -25727,8 +25757,8 @@
         </p:blipFill>
         <p:spPr>
           <a:xfrm>
-            <a:off x="8892861" y="5034166"/>
-            <a:ext cx="2327347" cy="861980"/>
+            <a:off x="5003367" y="4755776"/>
+            <a:ext cx="2647327" cy="601665"/>
           </a:xfrm>
           <a:prstGeom prst="rect">
             <a:avLst/>
@@ -25737,10 +25767,10 @@
       </p:pic>
       <p:pic>
         <p:nvPicPr>
-          <p:cNvPr id="39" name="Imagen 38">
+          <p:cNvPr id="24" name="Imagen 23">
             <a:extLst>
               <a:ext uri="{FF2B5EF4-FFF2-40B4-BE49-F238E27FC236}">
-                <a16:creationId xmlns:a16="http://schemas.microsoft.com/office/drawing/2014/main" id="{C38881CE-ACE0-4F86-BDCB-651601AB78BD}"/>
+                <a16:creationId xmlns:a16="http://schemas.microsoft.com/office/drawing/2014/main" id="{289FD680-AE1E-4F51-9771-A48B11F92179}"/>
               </a:ext>
             </a:extLst>
           </p:cNvPr>
@@ -25757,8 +25787,8 @@
         </p:blipFill>
         <p:spPr>
           <a:xfrm>
-            <a:off x="5022998" y="5313055"/>
-            <a:ext cx="2647327" cy="601665"/>
+            <a:off x="1025219" y="3037343"/>
+            <a:ext cx="2594132" cy="800532"/>
           </a:xfrm>
           <a:prstGeom prst="rect">
             <a:avLst/>
@@ -25767,10 +25797,10 @@
       </p:pic>
       <p:pic>
         <p:nvPicPr>
-          <p:cNvPr id="40" name="Imagen 39">
+          <p:cNvPr id="25" name="Imagen 24">
             <a:extLst>
               <a:ext uri="{FF2B5EF4-FFF2-40B4-BE49-F238E27FC236}">
-                <a16:creationId xmlns:a16="http://schemas.microsoft.com/office/drawing/2014/main" id="{4F953C2C-6DFB-43C8-882C-B32DB0BB29D6}"/>
+                <a16:creationId xmlns:a16="http://schemas.microsoft.com/office/drawing/2014/main" id="{1FF3DB16-78F5-46AF-AD36-4E16160940C7}"/>
               </a:ext>
             </a:extLst>
           </p:cNvPr>
@@ -25787,8 +25817,38 @@
         </p:blipFill>
         <p:spPr>
           <a:xfrm>
-            <a:off x="941074" y="4020721"/>
-            <a:ext cx="2594132" cy="800532"/>
+            <a:off x="9010948" y="5213153"/>
+            <a:ext cx="2391743" cy="824551"/>
+          </a:xfrm>
+          <a:prstGeom prst="rect">
+            <a:avLst/>
+          </a:prstGeom>
+        </p:spPr>
+      </p:pic>
+      <p:pic>
+        <p:nvPicPr>
+          <p:cNvPr id="26" name="Imagen 25">
+            <a:extLst>
+              <a:ext uri="{FF2B5EF4-FFF2-40B4-BE49-F238E27FC236}">
+                <a16:creationId xmlns:a16="http://schemas.microsoft.com/office/drawing/2014/main" id="{C3ABF4A4-9ED3-43CD-9770-1450684D52EC}"/>
+              </a:ext>
+            </a:extLst>
+          </p:cNvPr>
+          <p:cNvPicPr>
+            <a:picLocks noChangeAspect="1"/>
+          </p:cNvPicPr>
+          <p:nvPr userDrawn="1"/>
+        </p:nvPicPr>
+        <p:blipFill>
+          <a:blip r:embed="rId16"/>
+          <a:stretch>
+            <a:fillRect/>
+          </a:stretch>
+        </p:blipFill>
+        <p:spPr>
+          <a:xfrm>
+            <a:off x="4831769" y="3336406"/>
+            <a:ext cx="2964216" cy="912066"/>
           </a:xfrm>
           <a:prstGeom prst="rect">
             <a:avLst/>
@@ -25848,7 +25908,7 @@
                                       <p:cBhvr>
                                         <p:cTn id="6" dur="20000" fill="hold"/>
                                         <p:tgtEl>
-                                          <p:spTgt spid="7"/>
+                                          <p:spTgt spid="15"/>
                                         </p:tgtEl>
                                         <p:attrNameLst>
                                           <p:attrName>r</p:attrName>
@@ -42999,7 +43059,7 @@
         <p:spPr>
           <a:xfrm>
             <a:off x="584196" y="2138411"/>
-            <a:ext cx="4956705" cy="1107996"/>
+            <a:ext cx="4645029" cy="1107996"/>
           </a:xfrm>
         </p:spPr>
         <p:txBody>
@@ -43568,7 +43628,7 @@
         <p:spPr>
           <a:xfrm>
             <a:off x="762991" y="1615703"/>
-            <a:ext cx="4075714" cy="861774"/>
+            <a:ext cx="3618509" cy="861774"/>
           </a:xfrm>
         </p:spPr>
         <p:txBody>
@@ -45139,15 +45199,6 @@
 </file>
 
 <file path=customXml/item1.xml><?xml version="1.0" encoding="utf-8"?>
-<?mso-contentType ?>
-<FormTemplates xmlns="http://schemas.microsoft.com/sharepoint/v3/contenttype/forms">
-  <Display>DocumentLibraryForm</Display>
-  <Edit>DocumentLibraryForm</Edit>
-  <New>DocumentLibraryForm</New>
-</FormTemplates>
-</file>
-
-<file path=customXml/item2.xml><?xml version="1.0" encoding="utf-8"?>
 <p:properties xmlns:p="http://schemas.microsoft.com/office/2006/metadata/properties" xmlns:xsi="http://www.w3.org/2001/XMLSchema-instance" xmlns:pc="http://schemas.microsoft.com/office/infopath/2007/PartnerControls">
   <documentManagement>
     <_ip_UnifiedCompliancePolicyUIAction xmlns="http://schemas.microsoft.com/sharepoint/v3" xsi:nil="true"/>
@@ -45207,6 +45258,15 @@
     </e1750f71052543bd8c4d7217e9f56da0>
   </documentManagement>
 </p:properties>
+</file>
+
+<file path=customXml/item2.xml><?xml version="1.0" encoding="utf-8"?>
+<?mso-contentType ?>
+<FormTemplates xmlns="http://schemas.microsoft.com/sharepoint/v3/contenttype/forms">
+  <Display>DocumentLibraryForm</Display>
+  <Edit>DocumentLibraryForm</Edit>
+  <New>DocumentLibraryForm</New>
+</FormTemplates>
 </file>
 
 <file path=customXml/item3.xml><?xml version="1.0" encoding="utf-8"?>
@@ -45631,14 +45691,6 @@
 </file>
 
 <file path=customXml/itemProps1.xml><?xml version="1.0" encoding="utf-8"?>
-<ds:datastoreItem xmlns:ds="http://schemas.openxmlformats.org/officeDocument/2006/customXml" ds:itemID="{758FDAC0-319D-4A54-8D8E-1D42CB1F8004}">
-  <ds:schemaRefs>
-    <ds:schemaRef ds:uri="http://schemas.microsoft.com/sharepoint/v3/contenttype/forms"/>
-  </ds:schemaRefs>
-</ds:datastoreItem>
-</file>
-
-<file path=customXml/itemProps2.xml><?xml version="1.0" encoding="utf-8"?>
 <ds:datastoreItem xmlns:ds="http://schemas.openxmlformats.org/officeDocument/2006/customXml" ds:itemID="{F990F116-B58F-4255-B05B-DA3808E0E5C6}">
   <ds:schemaRefs>
     <ds:schemaRef ds:uri="12239fb0-26c0-4a37-b790-6c81fba9d0fc"/>
@@ -45655,6 +45707,14 @@
     <ds:schemaRef ds:uri="9d1f81f6-e953-47ea-988e-33ed651c58e6"/>
     <ds:schemaRef ds:uri="5a4b3278-325d-441a-b38f-6f1926bc734e"/>
     <ds:schemaRef ds:uri="230e9df3-be65-4c73-a93b-d1236ebd677e"/>
+  </ds:schemaRefs>
+</ds:datastoreItem>
+</file>
+
+<file path=customXml/itemProps2.xml><?xml version="1.0" encoding="utf-8"?>
+<ds:datastoreItem xmlns:ds="http://schemas.openxmlformats.org/officeDocument/2006/customXml" ds:itemID="{758FDAC0-319D-4A54-8D8E-1D42CB1F8004}">
+  <ds:schemaRefs>
+    <ds:schemaRef ds:uri="http://schemas.microsoft.com/sharepoint/v3/contenttype/forms"/>
   </ds:schemaRefs>
 </ds:datastoreItem>
 </file>
